--- a/Documentation/Reports and Papers/Knee_Torque_Test/Figures/Figure components/Fmax_fit/Fmax_fit.pptx
+++ b/Documentation/Reports and Papers/Knee_Torque_Test/Figures/Figure components/Fmax_fit/Fmax_fit.pptx
@@ -2,12 +2,12 @@
 <file path=ppt/presentation.xml><?xml version="1.0" encoding="utf-8"?>
 <p:presentation xmlns:a="http://schemas.openxmlformats.org/drawingml/2006/main" xmlns:r="http://schemas.openxmlformats.org/officeDocument/2006/relationships" xmlns:p="http://schemas.openxmlformats.org/presentationml/2006/main" saveSubsetFonts="1" autoCompressPictures="0">
   <p:sldMasterIdLst>
-    <p:sldMasterId id="2147483720" r:id="rId1"/>
+    <p:sldMasterId id="2147483756" r:id="rId1"/>
   </p:sldMasterIdLst>
   <p:sldIdLst>
     <p:sldId id="256" r:id="rId2"/>
   </p:sldIdLst>
-  <p:sldSz cx="17678400" cy="13258800"/>
+  <p:sldSz cx="6400800" cy="7315200"/>
   <p:notesSz cx="6858000" cy="9144000"/>
   <p:defaultTextStyle>
     <a:defPPr>
@@ -141,15 +141,15 @@
         </p:nvSpPr>
         <p:spPr>
           <a:xfrm>
-            <a:off x="1325880" y="2169902"/>
-            <a:ext cx="15026640" cy="4616027"/>
+            <a:off x="480060" y="1197187"/>
+            <a:ext cx="5440680" cy="2546773"/>
           </a:xfrm>
         </p:spPr>
         <p:txBody>
           <a:bodyPr anchor="b"/>
           <a:lstStyle>
             <a:lvl1pPr algn="ctr">
-              <a:defRPr sz="11600"/>
+              <a:defRPr sz="4200"/>
             </a:lvl1pPr>
           </a:lstStyle>
           <a:p>
@@ -173,8 +173,8 @@
         </p:nvSpPr>
         <p:spPr>
           <a:xfrm>
-            <a:off x="2209800" y="6963940"/>
-            <a:ext cx="13258800" cy="3201140"/>
+            <a:off x="800100" y="3842174"/>
+            <a:ext cx="4800600" cy="1766146"/>
           </a:xfrm>
         </p:spPr>
         <p:txBody>
@@ -182,39 +182,39 @@
           <a:lstStyle>
             <a:lvl1pPr marL="0" indent="0" algn="ctr">
               <a:buNone/>
-              <a:defRPr sz="4640"/>
+              <a:defRPr sz="1680"/>
             </a:lvl1pPr>
-            <a:lvl2pPr marL="883905" indent="0" algn="ctr">
-              <a:buNone/>
-              <a:defRPr sz="3867"/>
+            <a:lvl2pPr marL="320040" indent="0" algn="ctr">
+              <a:buNone/>
+              <a:defRPr sz="1400"/>
             </a:lvl2pPr>
-            <a:lvl3pPr marL="1767810" indent="0" algn="ctr">
-              <a:buNone/>
-              <a:defRPr sz="3480"/>
+            <a:lvl3pPr marL="640080" indent="0" algn="ctr">
+              <a:buNone/>
+              <a:defRPr sz="1260"/>
             </a:lvl3pPr>
-            <a:lvl4pPr marL="2651714" indent="0" algn="ctr">
-              <a:buNone/>
-              <a:defRPr sz="3093"/>
+            <a:lvl4pPr marL="960120" indent="0" algn="ctr">
+              <a:buNone/>
+              <a:defRPr sz="1120"/>
             </a:lvl4pPr>
-            <a:lvl5pPr marL="3535619" indent="0" algn="ctr">
-              <a:buNone/>
-              <a:defRPr sz="3093"/>
+            <a:lvl5pPr marL="1280160" indent="0" algn="ctr">
+              <a:buNone/>
+              <a:defRPr sz="1120"/>
             </a:lvl5pPr>
-            <a:lvl6pPr marL="4419524" indent="0" algn="ctr">
-              <a:buNone/>
-              <a:defRPr sz="3093"/>
+            <a:lvl6pPr marL="1600200" indent="0" algn="ctr">
+              <a:buNone/>
+              <a:defRPr sz="1120"/>
             </a:lvl6pPr>
-            <a:lvl7pPr marL="5303429" indent="0" algn="ctr">
-              <a:buNone/>
-              <a:defRPr sz="3093"/>
+            <a:lvl7pPr marL="1920240" indent="0" algn="ctr">
+              <a:buNone/>
+              <a:defRPr sz="1120"/>
             </a:lvl7pPr>
-            <a:lvl8pPr marL="6187333" indent="0" algn="ctr">
-              <a:buNone/>
-              <a:defRPr sz="3093"/>
+            <a:lvl8pPr marL="2240280" indent="0" algn="ctr">
+              <a:buNone/>
+              <a:defRPr sz="1120"/>
             </a:lvl8pPr>
-            <a:lvl9pPr marL="7071238" indent="0" algn="ctr">
-              <a:buNone/>
-              <a:defRPr sz="3093"/>
+            <a:lvl9pPr marL="2560320" indent="0" algn="ctr">
+              <a:buNone/>
+              <a:defRPr sz="1120"/>
             </a:lvl9pPr>
           </a:lstStyle>
           <a:p>
@@ -243,7 +243,7 @@
           <a:p>
             <a:fld id="{38CBF4A1-D51F-489D-997E-03F5214DD126}" type="datetimeFigureOut">
               <a:rPr lang="en-US" smtClean="0"/>
-              <a:t>12/8/2022</a:t>
+              <a:t>12/5/2023</a:t>
             </a:fld>
             <a:endParaRPr lang="en-US"/>
           </a:p>
@@ -294,7 +294,7 @@
     </p:spTree>
     <p:extLst>
       <p:ext uri="{BB962C8B-B14F-4D97-AF65-F5344CB8AC3E}">
-        <p14:creationId xmlns:p14="http://schemas.microsoft.com/office/powerpoint/2010/main" val="2212078573"/>
+        <p14:creationId xmlns:p14="http://schemas.microsoft.com/office/powerpoint/2010/main" val="263304814"/>
       </p:ext>
     </p:extLst>
   </p:cSld>
@@ -413,7 +413,7 @@
           <a:p>
             <a:fld id="{38CBF4A1-D51F-489D-997E-03F5214DD126}" type="datetimeFigureOut">
               <a:rPr lang="en-US" smtClean="0"/>
-              <a:t>12/8/2022</a:t>
+              <a:t>12/5/2023</a:t>
             </a:fld>
             <a:endParaRPr lang="en-US"/>
           </a:p>
@@ -464,7 +464,7 @@
     </p:spTree>
     <p:extLst>
       <p:ext uri="{BB962C8B-B14F-4D97-AF65-F5344CB8AC3E}">
-        <p14:creationId xmlns:p14="http://schemas.microsoft.com/office/powerpoint/2010/main" val="1324784653"/>
+        <p14:creationId xmlns:p14="http://schemas.microsoft.com/office/powerpoint/2010/main" val="3704700268"/>
       </p:ext>
     </p:extLst>
   </p:cSld>
@@ -503,8 +503,8 @@
         </p:nvSpPr>
         <p:spPr>
           <a:xfrm>
-            <a:off x="12651106" y="705908"/>
-            <a:ext cx="3811905" cy="11236220"/>
+            <a:off x="4580573" y="389467"/>
+            <a:ext cx="1380173" cy="6199294"/>
           </a:xfrm>
         </p:spPr>
         <p:txBody>
@@ -531,8 +531,8 @@
         </p:nvSpPr>
         <p:spPr>
           <a:xfrm>
-            <a:off x="1215391" y="705908"/>
-            <a:ext cx="11214735" cy="11236220"/>
+            <a:off x="440055" y="389467"/>
+            <a:ext cx="4060508" cy="6199294"/>
           </a:xfrm>
         </p:spPr>
         <p:txBody>
@@ -593,7 +593,7 @@
           <a:p>
             <a:fld id="{38CBF4A1-D51F-489D-997E-03F5214DD126}" type="datetimeFigureOut">
               <a:rPr lang="en-US" smtClean="0"/>
-              <a:t>12/8/2022</a:t>
+              <a:t>12/5/2023</a:t>
             </a:fld>
             <a:endParaRPr lang="en-US"/>
           </a:p>
@@ -644,7 +644,7 @@
     </p:spTree>
     <p:extLst>
       <p:ext uri="{BB962C8B-B14F-4D97-AF65-F5344CB8AC3E}">
-        <p14:creationId xmlns:p14="http://schemas.microsoft.com/office/powerpoint/2010/main" val="810851195"/>
+        <p14:creationId xmlns:p14="http://schemas.microsoft.com/office/powerpoint/2010/main" val="1319141761"/>
       </p:ext>
     </p:extLst>
   </p:cSld>
@@ -763,7 +763,7 @@
           <a:p>
             <a:fld id="{38CBF4A1-D51F-489D-997E-03F5214DD126}" type="datetimeFigureOut">
               <a:rPr lang="en-US" smtClean="0"/>
-              <a:t>12/8/2022</a:t>
+              <a:t>12/5/2023</a:t>
             </a:fld>
             <a:endParaRPr lang="en-US"/>
           </a:p>
@@ -814,7 +814,7 @@
     </p:spTree>
     <p:extLst>
       <p:ext uri="{BB962C8B-B14F-4D97-AF65-F5344CB8AC3E}">
-        <p14:creationId xmlns:p14="http://schemas.microsoft.com/office/powerpoint/2010/main" val="3283651507"/>
+        <p14:creationId xmlns:p14="http://schemas.microsoft.com/office/powerpoint/2010/main" val="1913929471"/>
       </p:ext>
     </p:extLst>
   </p:cSld>
@@ -853,15 +853,15 @@
         </p:nvSpPr>
         <p:spPr>
           <a:xfrm>
-            <a:off x="1206183" y="3305496"/>
-            <a:ext cx="15247620" cy="5515292"/>
+            <a:off x="436722" y="1823722"/>
+            <a:ext cx="5520690" cy="3042919"/>
           </a:xfrm>
         </p:spPr>
         <p:txBody>
           <a:bodyPr anchor="b"/>
           <a:lstStyle>
             <a:lvl1pPr>
-              <a:defRPr sz="11600"/>
+              <a:defRPr sz="4200"/>
             </a:lvl1pPr>
           </a:lstStyle>
           <a:p>
@@ -885,8 +885,8 @@
         </p:nvSpPr>
         <p:spPr>
           <a:xfrm>
-            <a:off x="1206183" y="8872964"/>
-            <a:ext cx="15247620" cy="2900362"/>
+            <a:off x="436722" y="4895429"/>
+            <a:ext cx="5520690" cy="1600199"/>
           </a:xfrm>
         </p:spPr>
         <p:txBody>
@@ -894,15 +894,15 @@
           <a:lstStyle>
             <a:lvl1pPr marL="0" indent="0">
               <a:buNone/>
-              <a:defRPr sz="4640">
+              <a:defRPr sz="1680">
                 <a:solidFill>
                   <a:schemeClr val="tx1"/>
                 </a:solidFill>
               </a:defRPr>
             </a:lvl1pPr>
-            <a:lvl2pPr marL="883905" indent="0">
-              <a:buNone/>
-              <a:defRPr sz="3867">
+            <a:lvl2pPr marL="320040" indent="0">
+              <a:buNone/>
+              <a:defRPr sz="1400">
                 <a:solidFill>
                   <a:schemeClr val="tx1">
                     <a:tint val="75000"/>
@@ -910,9 +910,9 @@
                 </a:solidFill>
               </a:defRPr>
             </a:lvl2pPr>
-            <a:lvl3pPr marL="1767810" indent="0">
-              <a:buNone/>
-              <a:defRPr sz="3480">
+            <a:lvl3pPr marL="640080" indent="0">
+              <a:buNone/>
+              <a:defRPr sz="1260">
                 <a:solidFill>
                   <a:schemeClr val="tx1">
                     <a:tint val="75000"/>
@@ -920,9 +920,9 @@
                 </a:solidFill>
               </a:defRPr>
             </a:lvl3pPr>
-            <a:lvl4pPr marL="2651714" indent="0">
-              <a:buNone/>
-              <a:defRPr sz="3093">
+            <a:lvl4pPr marL="960120" indent="0">
+              <a:buNone/>
+              <a:defRPr sz="1120">
                 <a:solidFill>
                   <a:schemeClr val="tx1">
                     <a:tint val="75000"/>
@@ -930,9 +930,9 @@
                 </a:solidFill>
               </a:defRPr>
             </a:lvl4pPr>
-            <a:lvl5pPr marL="3535619" indent="0">
-              <a:buNone/>
-              <a:defRPr sz="3093">
+            <a:lvl5pPr marL="1280160" indent="0">
+              <a:buNone/>
+              <a:defRPr sz="1120">
                 <a:solidFill>
                   <a:schemeClr val="tx1">
                     <a:tint val="75000"/>
@@ -940,9 +940,9 @@
                 </a:solidFill>
               </a:defRPr>
             </a:lvl5pPr>
-            <a:lvl6pPr marL="4419524" indent="0">
-              <a:buNone/>
-              <a:defRPr sz="3093">
+            <a:lvl6pPr marL="1600200" indent="0">
+              <a:buNone/>
+              <a:defRPr sz="1120">
                 <a:solidFill>
                   <a:schemeClr val="tx1">
                     <a:tint val="75000"/>
@@ -950,9 +950,9 @@
                 </a:solidFill>
               </a:defRPr>
             </a:lvl6pPr>
-            <a:lvl7pPr marL="5303429" indent="0">
-              <a:buNone/>
-              <a:defRPr sz="3093">
+            <a:lvl7pPr marL="1920240" indent="0">
+              <a:buNone/>
+              <a:defRPr sz="1120">
                 <a:solidFill>
                   <a:schemeClr val="tx1">
                     <a:tint val="75000"/>
@@ -960,9 +960,9 @@
                 </a:solidFill>
               </a:defRPr>
             </a:lvl7pPr>
-            <a:lvl8pPr marL="6187333" indent="0">
-              <a:buNone/>
-              <a:defRPr sz="3093">
+            <a:lvl8pPr marL="2240280" indent="0">
+              <a:buNone/>
+              <a:defRPr sz="1120">
                 <a:solidFill>
                   <a:schemeClr val="tx1">
                     <a:tint val="75000"/>
@@ -970,9 +970,9 @@
                 </a:solidFill>
               </a:defRPr>
             </a:lvl8pPr>
-            <a:lvl9pPr marL="7071238" indent="0">
-              <a:buNone/>
-              <a:defRPr sz="3093">
+            <a:lvl9pPr marL="2560320" indent="0">
+              <a:buNone/>
+              <a:defRPr sz="1120">
                 <a:solidFill>
                   <a:schemeClr val="tx1">
                     <a:tint val="75000"/>
@@ -1007,7 +1007,7 @@
           <a:p>
             <a:fld id="{38CBF4A1-D51F-489D-997E-03F5214DD126}" type="datetimeFigureOut">
               <a:rPr lang="en-US" smtClean="0"/>
-              <a:t>12/8/2022</a:t>
+              <a:t>12/5/2023</a:t>
             </a:fld>
             <a:endParaRPr lang="en-US"/>
           </a:p>
@@ -1058,7 +1058,7 @@
     </p:spTree>
     <p:extLst>
       <p:ext uri="{BB962C8B-B14F-4D97-AF65-F5344CB8AC3E}">
-        <p14:creationId xmlns:p14="http://schemas.microsoft.com/office/powerpoint/2010/main" val="1618089712"/>
+        <p14:creationId xmlns:p14="http://schemas.microsoft.com/office/powerpoint/2010/main" val="140052684"/>
       </p:ext>
     </p:extLst>
   </p:cSld>
@@ -1120,8 +1120,8 @@
         </p:nvSpPr>
         <p:spPr>
           <a:xfrm>
-            <a:off x="1215390" y="3529542"/>
-            <a:ext cx="7513320" cy="8412587"/>
+            <a:off x="440055" y="1947333"/>
+            <a:ext cx="2720340" cy="4641427"/>
           </a:xfrm>
         </p:spPr>
         <p:txBody>
@@ -1177,8 +1177,8 @@
         </p:nvSpPr>
         <p:spPr>
           <a:xfrm>
-            <a:off x="8949690" y="3529542"/>
-            <a:ext cx="7513320" cy="8412587"/>
+            <a:off x="3240405" y="1947333"/>
+            <a:ext cx="2720340" cy="4641427"/>
           </a:xfrm>
         </p:spPr>
         <p:txBody>
@@ -1239,7 +1239,7 @@
           <a:p>
             <a:fld id="{38CBF4A1-D51F-489D-997E-03F5214DD126}" type="datetimeFigureOut">
               <a:rPr lang="en-US" smtClean="0"/>
-              <a:t>12/8/2022</a:t>
+              <a:t>12/5/2023</a:t>
             </a:fld>
             <a:endParaRPr lang="en-US"/>
           </a:p>
@@ -1290,7 +1290,7 @@
     </p:spTree>
     <p:extLst>
       <p:ext uri="{BB962C8B-B14F-4D97-AF65-F5344CB8AC3E}">
-        <p14:creationId xmlns:p14="http://schemas.microsoft.com/office/powerpoint/2010/main" val="2771449735"/>
+        <p14:creationId xmlns:p14="http://schemas.microsoft.com/office/powerpoint/2010/main" val="2406594377"/>
       </p:ext>
     </p:extLst>
   </p:cSld>
@@ -1329,8 +1329,8 @@
         </p:nvSpPr>
         <p:spPr>
           <a:xfrm>
-            <a:off x="1217693" y="705911"/>
-            <a:ext cx="15247620" cy="2562755"/>
+            <a:off x="440889" y="389468"/>
+            <a:ext cx="5520690" cy="1413934"/>
           </a:xfrm>
         </p:spPr>
         <p:txBody>
@@ -1357,8 +1357,8 @@
         </p:nvSpPr>
         <p:spPr>
           <a:xfrm>
-            <a:off x="1217694" y="3250248"/>
-            <a:ext cx="7478791" cy="1592897"/>
+            <a:off x="440889" y="1793241"/>
+            <a:ext cx="2707838" cy="878839"/>
           </a:xfrm>
         </p:spPr>
         <p:txBody>
@@ -1366,39 +1366,39 @@
           <a:lstStyle>
             <a:lvl1pPr marL="0" indent="0">
               <a:buNone/>
-              <a:defRPr sz="4640" b="1"/>
+              <a:defRPr sz="1680" b="1"/>
             </a:lvl1pPr>
-            <a:lvl2pPr marL="883905" indent="0">
-              <a:buNone/>
-              <a:defRPr sz="3867" b="1"/>
+            <a:lvl2pPr marL="320040" indent="0">
+              <a:buNone/>
+              <a:defRPr sz="1400" b="1"/>
             </a:lvl2pPr>
-            <a:lvl3pPr marL="1767810" indent="0">
-              <a:buNone/>
-              <a:defRPr sz="3480" b="1"/>
+            <a:lvl3pPr marL="640080" indent="0">
+              <a:buNone/>
+              <a:defRPr sz="1260" b="1"/>
             </a:lvl3pPr>
-            <a:lvl4pPr marL="2651714" indent="0">
-              <a:buNone/>
-              <a:defRPr sz="3093" b="1"/>
+            <a:lvl4pPr marL="960120" indent="0">
+              <a:buNone/>
+              <a:defRPr sz="1120" b="1"/>
             </a:lvl4pPr>
-            <a:lvl5pPr marL="3535619" indent="0">
-              <a:buNone/>
-              <a:defRPr sz="3093" b="1"/>
+            <a:lvl5pPr marL="1280160" indent="0">
+              <a:buNone/>
+              <a:defRPr sz="1120" b="1"/>
             </a:lvl5pPr>
-            <a:lvl6pPr marL="4419524" indent="0">
-              <a:buNone/>
-              <a:defRPr sz="3093" b="1"/>
+            <a:lvl6pPr marL="1600200" indent="0">
+              <a:buNone/>
+              <a:defRPr sz="1120" b="1"/>
             </a:lvl6pPr>
-            <a:lvl7pPr marL="5303429" indent="0">
-              <a:buNone/>
-              <a:defRPr sz="3093" b="1"/>
+            <a:lvl7pPr marL="1920240" indent="0">
+              <a:buNone/>
+              <a:defRPr sz="1120" b="1"/>
             </a:lvl7pPr>
-            <a:lvl8pPr marL="6187333" indent="0">
-              <a:buNone/>
-              <a:defRPr sz="3093" b="1"/>
+            <a:lvl8pPr marL="2240280" indent="0">
+              <a:buNone/>
+              <a:defRPr sz="1120" b="1"/>
             </a:lvl8pPr>
-            <a:lvl9pPr marL="7071238" indent="0">
-              <a:buNone/>
-              <a:defRPr sz="3093" b="1"/>
+            <a:lvl9pPr marL="2560320" indent="0">
+              <a:buNone/>
+              <a:defRPr sz="1120" b="1"/>
             </a:lvl9pPr>
           </a:lstStyle>
           <a:p>
@@ -1422,8 +1422,8 @@
         </p:nvSpPr>
         <p:spPr>
           <a:xfrm>
-            <a:off x="1217694" y="4843145"/>
-            <a:ext cx="7478791" cy="7123537"/>
+            <a:off x="440889" y="2672080"/>
+            <a:ext cx="2707838" cy="3930227"/>
           </a:xfrm>
         </p:spPr>
         <p:txBody>
@@ -1479,8 +1479,8 @@
         </p:nvSpPr>
         <p:spPr>
           <a:xfrm>
-            <a:off x="8949691" y="3250248"/>
-            <a:ext cx="7515623" cy="1592897"/>
+            <a:off x="3240405" y="1793241"/>
+            <a:ext cx="2721174" cy="878839"/>
           </a:xfrm>
         </p:spPr>
         <p:txBody>
@@ -1488,39 +1488,39 @@
           <a:lstStyle>
             <a:lvl1pPr marL="0" indent="0">
               <a:buNone/>
-              <a:defRPr sz="4640" b="1"/>
+              <a:defRPr sz="1680" b="1"/>
             </a:lvl1pPr>
-            <a:lvl2pPr marL="883905" indent="0">
-              <a:buNone/>
-              <a:defRPr sz="3867" b="1"/>
+            <a:lvl2pPr marL="320040" indent="0">
+              <a:buNone/>
+              <a:defRPr sz="1400" b="1"/>
             </a:lvl2pPr>
-            <a:lvl3pPr marL="1767810" indent="0">
-              <a:buNone/>
-              <a:defRPr sz="3480" b="1"/>
+            <a:lvl3pPr marL="640080" indent="0">
+              <a:buNone/>
+              <a:defRPr sz="1260" b="1"/>
             </a:lvl3pPr>
-            <a:lvl4pPr marL="2651714" indent="0">
-              <a:buNone/>
-              <a:defRPr sz="3093" b="1"/>
+            <a:lvl4pPr marL="960120" indent="0">
+              <a:buNone/>
+              <a:defRPr sz="1120" b="1"/>
             </a:lvl4pPr>
-            <a:lvl5pPr marL="3535619" indent="0">
-              <a:buNone/>
-              <a:defRPr sz="3093" b="1"/>
+            <a:lvl5pPr marL="1280160" indent="0">
+              <a:buNone/>
+              <a:defRPr sz="1120" b="1"/>
             </a:lvl5pPr>
-            <a:lvl6pPr marL="4419524" indent="0">
-              <a:buNone/>
-              <a:defRPr sz="3093" b="1"/>
+            <a:lvl6pPr marL="1600200" indent="0">
+              <a:buNone/>
+              <a:defRPr sz="1120" b="1"/>
             </a:lvl6pPr>
-            <a:lvl7pPr marL="5303429" indent="0">
-              <a:buNone/>
-              <a:defRPr sz="3093" b="1"/>
+            <a:lvl7pPr marL="1920240" indent="0">
+              <a:buNone/>
+              <a:defRPr sz="1120" b="1"/>
             </a:lvl7pPr>
-            <a:lvl8pPr marL="6187333" indent="0">
-              <a:buNone/>
-              <a:defRPr sz="3093" b="1"/>
+            <a:lvl8pPr marL="2240280" indent="0">
+              <a:buNone/>
+              <a:defRPr sz="1120" b="1"/>
             </a:lvl8pPr>
-            <a:lvl9pPr marL="7071238" indent="0">
-              <a:buNone/>
-              <a:defRPr sz="3093" b="1"/>
+            <a:lvl9pPr marL="2560320" indent="0">
+              <a:buNone/>
+              <a:defRPr sz="1120" b="1"/>
             </a:lvl9pPr>
           </a:lstStyle>
           <a:p>
@@ -1544,8 +1544,8 @@
         </p:nvSpPr>
         <p:spPr>
           <a:xfrm>
-            <a:off x="8949691" y="4843145"/>
-            <a:ext cx="7515623" cy="7123537"/>
+            <a:off x="3240405" y="2672080"/>
+            <a:ext cx="2721174" cy="3930227"/>
           </a:xfrm>
         </p:spPr>
         <p:txBody>
@@ -1606,7 +1606,7 @@
           <a:p>
             <a:fld id="{38CBF4A1-D51F-489D-997E-03F5214DD126}" type="datetimeFigureOut">
               <a:rPr lang="en-US" smtClean="0"/>
-              <a:t>12/8/2022</a:t>
+              <a:t>12/5/2023</a:t>
             </a:fld>
             <a:endParaRPr lang="en-US"/>
           </a:p>
@@ -1657,7 +1657,7 @@
     </p:spTree>
     <p:extLst>
       <p:ext uri="{BB962C8B-B14F-4D97-AF65-F5344CB8AC3E}">
-        <p14:creationId xmlns:p14="http://schemas.microsoft.com/office/powerpoint/2010/main" val="980858498"/>
+        <p14:creationId xmlns:p14="http://schemas.microsoft.com/office/powerpoint/2010/main" val="359263944"/>
       </p:ext>
     </p:extLst>
   </p:cSld>
@@ -1724,7 +1724,7 @@
           <a:p>
             <a:fld id="{38CBF4A1-D51F-489D-997E-03F5214DD126}" type="datetimeFigureOut">
               <a:rPr lang="en-US" smtClean="0"/>
-              <a:t>12/8/2022</a:t>
+              <a:t>12/5/2023</a:t>
             </a:fld>
             <a:endParaRPr lang="en-US"/>
           </a:p>
@@ -1775,7 +1775,7 @@
     </p:spTree>
     <p:extLst>
       <p:ext uri="{BB962C8B-B14F-4D97-AF65-F5344CB8AC3E}">
-        <p14:creationId xmlns:p14="http://schemas.microsoft.com/office/powerpoint/2010/main" val="1739020716"/>
+        <p14:creationId xmlns:p14="http://schemas.microsoft.com/office/powerpoint/2010/main" val="2505172117"/>
       </p:ext>
     </p:extLst>
   </p:cSld>
@@ -1819,7 +1819,7 @@
           <a:p>
             <a:fld id="{38CBF4A1-D51F-489D-997E-03F5214DD126}" type="datetimeFigureOut">
               <a:rPr lang="en-US" smtClean="0"/>
-              <a:t>12/8/2022</a:t>
+              <a:t>12/5/2023</a:t>
             </a:fld>
             <a:endParaRPr lang="en-US"/>
           </a:p>
@@ -1870,7 +1870,7 @@
     </p:spTree>
     <p:extLst>
       <p:ext uri="{BB962C8B-B14F-4D97-AF65-F5344CB8AC3E}">
-        <p14:creationId xmlns:p14="http://schemas.microsoft.com/office/powerpoint/2010/main" val="3695354153"/>
+        <p14:creationId xmlns:p14="http://schemas.microsoft.com/office/powerpoint/2010/main" val="3270543156"/>
       </p:ext>
     </p:extLst>
   </p:cSld>
@@ -1909,15 +1909,15 @@
         </p:nvSpPr>
         <p:spPr>
           <a:xfrm>
-            <a:off x="1217693" y="883920"/>
-            <a:ext cx="5701744" cy="3093720"/>
+            <a:off x="440889" y="487680"/>
+            <a:ext cx="2064425" cy="1706880"/>
           </a:xfrm>
         </p:spPr>
         <p:txBody>
           <a:bodyPr anchor="b"/>
           <a:lstStyle>
             <a:lvl1pPr>
-              <a:defRPr sz="6187"/>
+              <a:defRPr sz="2240"/>
             </a:lvl1pPr>
           </a:lstStyle>
           <a:p>
@@ -1941,39 +1941,39 @@
         </p:nvSpPr>
         <p:spPr>
           <a:xfrm>
-            <a:off x="7515623" y="1909024"/>
-            <a:ext cx="8949690" cy="9422342"/>
+            <a:off x="2721174" y="1053255"/>
+            <a:ext cx="3240405" cy="5198533"/>
           </a:xfrm>
         </p:spPr>
         <p:txBody>
           <a:bodyPr/>
           <a:lstStyle>
             <a:lvl1pPr>
-              <a:defRPr sz="6187"/>
+              <a:defRPr sz="2240"/>
             </a:lvl1pPr>
             <a:lvl2pPr>
-              <a:defRPr sz="5413"/>
+              <a:defRPr sz="1960"/>
             </a:lvl2pPr>
             <a:lvl3pPr>
-              <a:defRPr sz="4640"/>
+              <a:defRPr sz="1680"/>
             </a:lvl3pPr>
             <a:lvl4pPr>
-              <a:defRPr sz="3867"/>
+              <a:defRPr sz="1400"/>
             </a:lvl4pPr>
             <a:lvl5pPr>
-              <a:defRPr sz="3867"/>
+              <a:defRPr sz="1400"/>
             </a:lvl5pPr>
             <a:lvl6pPr>
-              <a:defRPr sz="3867"/>
+              <a:defRPr sz="1400"/>
             </a:lvl6pPr>
             <a:lvl7pPr>
-              <a:defRPr sz="3867"/>
+              <a:defRPr sz="1400"/>
             </a:lvl7pPr>
             <a:lvl8pPr>
-              <a:defRPr sz="3867"/>
+              <a:defRPr sz="1400"/>
             </a:lvl8pPr>
             <a:lvl9pPr>
-              <a:defRPr sz="3867"/>
+              <a:defRPr sz="1400"/>
             </a:lvl9pPr>
           </a:lstStyle>
           <a:p>
@@ -2026,8 +2026,8 @@
         </p:nvSpPr>
         <p:spPr>
           <a:xfrm>
-            <a:off x="1217693" y="3977640"/>
-            <a:ext cx="5701744" cy="7369070"/>
+            <a:off x="440889" y="2194560"/>
+            <a:ext cx="2064425" cy="4065694"/>
           </a:xfrm>
         </p:spPr>
         <p:txBody>
@@ -2035,39 +2035,39 @@
           <a:lstStyle>
             <a:lvl1pPr marL="0" indent="0">
               <a:buNone/>
-              <a:defRPr sz="3093"/>
+              <a:defRPr sz="1120"/>
             </a:lvl1pPr>
-            <a:lvl2pPr marL="883905" indent="0">
-              <a:buNone/>
-              <a:defRPr sz="2707"/>
+            <a:lvl2pPr marL="320040" indent="0">
+              <a:buNone/>
+              <a:defRPr sz="980"/>
             </a:lvl2pPr>
-            <a:lvl3pPr marL="1767810" indent="0">
-              <a:buNone/>
-              <a:defRPr sz="2320"/>
+            <a:lvl3pPr marL="640080" indent="0">
+              <a:buNone/>
+              <a:defRPr sz="840"/>
             </a:lvl3pPr>
-            <a:lvl4pPr marL="2651714" indent="0">
-              <a:buNone/>
-              <a:defRPr sz="1933"/>
+            <a:lvl4pPr marL="960120" indent="0">
+              <a:buNone/>
+              <a:defRPr sz="700"/>
             </a:lvl4pPr>
-            <a:lvl5pPr marL="3535619" indent="0">
-              <a:buNone/>
-              <a:defRPr sz="1933"/>
+            <a:lvl5pPr marL="1280160" indent="0">
+              <a:buNone/>
+              <a:defRPr sz="700"/>
             </a:lvl5pPr>
-            <a:lvl6pPr marL="4419524" indent="0">
-              <a:buNone/>
-              <a:defRPr sz="1933"/>
+            <a:lvl6pPr marL="1600200" indent="0">
+              <a:buNone/>
+              <a:defRPr sz="700"/>
             </a:lvl6pPr>
-            <a:lvl7pPr marL="5303429" indent="0">
-              <a:buNone/>
-              <a:defRPr sz="1933"/>
+            <a:lvl7pPr marL="1920240" indent="0">
+              <a:buNone/>
+              <a:defRPr sz="700"/>
             </a:lvl7pPr>
-            <a:lvl8pPr marL="6187333" indent="0">
-              <a:buNone/>
-              <a:defRPr sz="1933"/>
+            <a:lvl8pPr marL="2240280" indent="0">
+              <a:buNone/>
+              <a:defRPr sz="700"/>
             </a:lvl8pPr>
-            <a:lvl9pPr marL="7071238" indent="0">
-              <a:buNone/>
-              <a:defRPr sz="1933"/>
+            <a:lvl9pPr marL="2560320" indent="0">
+              <a:buNone/>
+              <a:defRPr sz="700"/>
             </a:lvl9pPr>
           </a:lstStyle>
           <a:p>
@@ -2096,7 +2096,7 @@
           <a:p>
             <a:fld id="{38CBF4A1-D51F-489D-997E-03F5214DD126}" type="datetimeFigureOut">
               <a:rPr lang="en-US" smtClean="0"/>
-              <a:t>12/8/2022</a:t>
+              <a:t>12/5/2023</a:t>
             </a:fld>
             <a:endParaRPr lang="en-US"/>
           </a:p>
@@ -2147,7 +2147,7 @@
     </p:spTree>
     <p:extLst>
       <p:ext uri="{BB962C8B-B14F-4D97-AF65-F5344CB8AC3E}">
-        <p14:creationId xmlns:p14="http://schemas.microsoft.com/office/powerpoint/2010/main" val="1295615888"/>
+        <p14:creationId xmlns:p14="http://schemas.microsoft.com/office/powerpoint/2010/main" val="511945867"/>
       </p:ext>
     </p:extLst>
   </p:cSld>
@@ -2186,15 +2186,15 @@
         </p:nvSpPr>
         <p:spPr>
           <a:xfrm>
-            <a:off x="1217693" y="883920"/>
-            <a:ext cx="5701744" cy="3093720"/>
+            <a:off x="440889" y="487680"/>
+            <a:ext cx="2064425" cy="1706880"/>
           </a:xfrm>
         </p:spPr>
         <p:txBody>
           <a:bodyPr anchor="b"/>
           <a:lstStyle>
             <a:lvl1pPr>
-              <a:defRPr sz="6187"/>
+              <a:defRPr sz="2240"/>
             </a:lvl1pPr>
           </a:lstStyle>
           <a:p>
@@ -2218,8 +2218,8 @@
         </p:nvSpPr>
         <p:spPr>
           <a:xfrm>
-            <a:off x="7515623" y="1909024"/>
-            <a:ext cx="8949690" cy="9422342"/>
+            <a:off x="2721174" y="1053255"/>
+            <a:ext cx="3240405" cy="5198533"/>
           </a:xfrm>
         </p:spPr>
         <p:txBody>
@@ -2227,39 +2227,39 @@
           <a:lstStyle>
             <a:lvl1pPr marL="0" indent="0">
               <a:buNone/>
-              <a:defRPr sz="6187"/>
+              <a:defRPr sz="2240"/>
             </a:lvl1pPr>
-            <a:lvl2pPr marL="883905" indent="0">
-              <a:buNone/>
-              <a:defRPr sz="5413"/>
+            <a:lvl2pPr marL="320040" indent="0">
+              <a:buNone/>
+              <a:defRPr sz="1960"/>
             </a:lvl2pPr>
-            <a:lvl3pPr marL="1767810" indent="0">
-              <a:buNone/>
-              <a:defRPr sz="4640"/>
+            <a:lvl3pPr marL="640080" indent="0">
+              <a:buNone/>
+              <a:defRPr sz="1680"/>
             </a:lvl3pPr>
-            <a:lvl4pPr marL="2651714" indent="0">
-              <a:buNone/>
-              <a:defRPr sz="3867"/>
+            <a:lvl4pPr marL="960120" indent="0">
+              <a:buNone/>
+              <a:defRPr sz="1400"/>
             </a:lvl4pPr>
-            <a:lvl5pPr marL="3535619" indent="0">
-              <a:buNone/>
-              <a:defRPr sz="3867"/>
+            <a:lvl5pPr marL="1280160" indent="0">
+              <a:buNone/>
+              <a:defRPr sz="1400"/>
             </a:lvl5pPr>
-            <a:lvl6pPr marL="4419524" indent="0">
-              <a:buNone/>
-              <a:defRPr sz="3867"/>
+            <a:lvl6pPr marL="1600200" indent="0">
+              <a:buNone/>
+              <a:defRPr sz="1400"/>
             </a:lvl6pPr>
-            <a:lvl7pPr marL="5303429" indent="0">
-              <a:buNone/>
-              <a:defRPr sz="3867"/>
+            <a:lvl7pPr marL="1920240" indent="0">
+              <a:buNone/>
+              <a:defRPr sz="1400"/>
             </a:lvl7pPr>
-            <a:lvl8pPr marL="6187333" indent="0">
-              <a:buNone/>
-              <a:defRPr sz="3867"/>
+            <a:lvl8pPr marL="2240280" indent="0">
+              <a:buNone/>
+              <a:defRPr sz="1400"/>
             </a:lvl8pPr>
-            <a:lvl9pPr marL="7071238" indent="0">
-              <a:buNone/>
-              <a:defRPr sz="3867"/>
+            <a:lvl9pPr marL="2560320" indent="0">
+              <a:buNone/>
+              <a:defRPr sz="1400"/>
             </a:lvl9pPr>
           </a:lstStyle>
           <a:p>
@@ -2283,8 +2283,8 @@
         </p:nvSpPr>
         <p:spPr>
           <a:xfrm>
-            <a:off x="1217693" y="3977640"/>
-            <a:ext cx="5701744" cy="7369070"/>
+            <a:off x="440889" y="2194560"/>
+            <a:ext cx="2064425" cy="4065694"/>
           </a:xfrm>
         </p:spPr>
         <p:txBody>
@@ -2292,39 +2292,39 @@
           <a:lstStyle>
             <a:lvl1pPr marL="0" indent="0">
               <a:buNone/>
-              <a:defRPr sz="3093"/>
+              <a:defRPr sz="1120"/>
             </a:lvl1pPr>
-            <a:lvl2pPr marL="883905" indent="0">
-              <a:buNone/>
-              <a:defRPr sz="2707"/>
+            <a:lvl2pPr marL="320040" indent="0">
+              <a:buNone/>
+              <a:defRPr sz="980"/>
             </a:lvl2pPr>
-            <a:lvl3pPr marL="1767810" indent="0">
-              <a:buNone/>
-              <a:defRPr sz="2320"/>
+            <a:lvl3pPr marL="640080" indent="0">
+              <a:buNone/>
+              <a:defRPr sz="840"/>
             </a:lvl3pPr>
-            <a:lvl4pPr marL="2651714" indent="0">
-              <a:buNone/>
-              <a:defRPr sz="1933"/>
+            <a:lvl4pPr marL="960120" indent="0">
+              <a:buNone/>
+              <a:defRPr sz="700"/>
             </a:lvl4pPr>
-            <a:lvl5pPr marL="3535619" indent="0">
-              <a:buNone/>
-              <a:defRPr sz="1933"/>
+            <a:lvl5pPr marL="1280160" indent="0">
+              <a:buNone/>
+              <a:defRPr sz="700"/>
             </a:lvl5pPr>
-            <a:lvl6pPr marL="4419524" indent="0">
-              <a:buNone/>
-              <a:defRPr sz="1933"/>
+            <a:lvl6pPr marL="1600200" indent="0">
+              <a:buNone/>
+              <a:defRPr sz="700"/>
             </a:lvl6pPr>
-            <a:lvl7pPr marL="5303429" indent="0">
-              <a:buNone/>
-              <a:defRPr sz="1933"/>
+            <a:lvl7pPr marL="1920240" indent="0">
+              <a:buNone/>
+              <a:defRPr sz="700"/>
             </a:lvl7pPr>
-            <a:lvl8pPr marL="6187333" indent="0">
-              <a:buNone/>
-              <a:defRPr sz="1933"/>
+            <a:lvl8pPr marL="2240280" indent="0">
+              <a:buNone/>
+              <a:defRPr sz="700"/>
             </a:lvl8pPr>
-            <a:lvl9pPr marL="7071238" indent="0">
-              <a:buNone/>
-              <a:defRPr sz="1933"/>
+            <a:lvl9pPr marL="2560320" indent="0">
+              <a:buNone/>
+              <a:defRPr sz="700"/>
             </a:lvl9pPr>
           </a:lstStyle>
           <a:p>
@@ -2353,7 +2353,7 @@
           <a:p>
             <a:fld id="{38CBF4A1-D51F-489D-997E-03F5214DD126}" type="datetimeFigureOut">
               <a:rPr lang="en-US" smtClean="0"/>
-              <a:t>12/8/2022</a:t>
+              <a:t>12/5/2023</a:t>
             </a:fld>
             <a:endParaRPr lang="en-US"/>
           </a:p>
@@ -2404,7 +2404,7 @@
     </p:spTree>
     <p:extLst>
       <p:ext uri="{BB962C8B-B14F-4D97-AF65-F5344CB8AC3E}">
-        <p14:creationId xmlns:p14="http://schemas.microsoft.com/office/powerpoint/2010/main" val="1250464303"/>
+        <p14:creationId xmlns:p14="http://schemas.microsoft.com/office/powerpoint/2010/main" val="1154453763"/>
       </p:ext>
     </p:extLst>
   </p:cSld>
@@ -2448,8 +2448,8 @@
         </p:nvSpPr>
         <p:spPr>
           <a:xfrm>
-            <a:off x="1215390" y="705911"/>
-            <a:ext cx="15247620" cy="2562755"/>
+            <a:off x="440055" y="389468"/>
+            <a:ext cx="5520690" cy="1413934"/>
           </a:xfrm>
           <a:prstGeom prst="rect">
             <a:avLst/>
@@ -2481,8 +2481,8 @@
         </p:nvSpPr>
         <p:spPr>
           <a:xfrm>
-            <a:off x="1215390" y="3529542"/>
-            <a:ext cx="15247620" cy="8412587"/>
+            <a:off x="440055" y="1947333"/>
+            <a:ext cx="5520690" cy="4641427"/>
           </a:xfrm>
           <a:prstGeom prst="rect">
             <a:avLst/>
@@ -2543,8 +2543,8 @@
         </p:nvSpPr>
         <p:spPr>
           <a:xfrm>
-            <a:off x="1215390" y="12288946"/>
-            <a:ext cx="3977640" cy="705908"/>
+            <a:off x="440055" y="6780108"/>
+            <a:ext cx="1440180" cy="389467"/>
           </a:xfrm>
           <a:prstGeom prst="rect">
             <a:avLst/>
@@ -2554,7 +2554,7 @@
           <a:bodyPr vert="horz" lIns="91440" tIns="45720" rIns="91440" bIns="45720" rtlCol="0" anchor="ctr"/>
           <a:lstStyle>
             <a:lvl1pPr algn="l">
-              <a:defRPr sz="2320">
+              <a:defRPr sz="840">
                 <a:solidFill>
                   <a:schemeClr val="tx1">
                     <a:tint val="75000"/>
@@ -2566,7 +2566,7 @@
           <a:p>
             <a:fld id="{38CBF4A1-D51F-489D-997E-03F5214DD126}" type="datetimeFigureOut">
               <a:rPr lang="en-US" smtClean="0"/>
-              <a:t>12/8/2022</a:t>
+              <a:t>12/5/2023</a:t>
             </a:fld>
             <a:endParaRPr lang="en-US"/>
           </a:p>
@@ -2584,8 +2584,8 @@
         </p:nvSpPr>
         <p:spPr>
           <a:xfrm>
-            <a:off x="5855970" y="12288946"/>
-            <a:ext cx="5966460" cy="705908"/>
+            <a:off x="2120265" y="6780108"/>
+            <a:ext cx="2160270" cy="389467"/>
           </a:xfrm>
           <a:prstGeom prst="rect">
             <a:avLst/>
@@ -2595,7 +2595,7 @@
           <a:bodyPr vert="horz" lIns="91440" tIns="45720" rIns="91440" bIns="45720" rtlCol="0" anchor="ctr"/>
           <a:lstStyle>
             <a:lvl1pPr algn="ctr">
-              <a:defRPr sz="2320">
+              <a:defRPr sz="840">
                 <a:solidFill>
                   <a:schemeClr val="tx1">
                     <a:tint val="75000"/>
@@ -2621,8 +2621,8 @@
         </p:nvSpPr>
         <p:spPr>
           <a:xfrm>
-            <a:off x="12485370" y="12288946"/>
-            <a:ext cx="3977640" cy="705908"/>
+            <a:off x="4520565" y="6780108"/>
+            <a:ext cx="1440180" cy="389467"/>
           </a:xfrm>
           <a:prstGeom prst="rect">
             <a:avLst/>
@@ -2632,7 +2632,7 @@
           <a:bodyPr vert="horz" lIns="91440" tIns="45720" rIns="91440" bIns="45720" rtlCol="0" anchor="ctr"/>
           <a:lstStyle>
             <a:lvl1pPr algn="r">
-              <a:defRPr sz="2320">
+              <a:defRPr sz="840">
                 <a:solidFill>
                   <a:schemeClr val="tx1">
                     <a:tint val="75000"/>
@@ -2653,27 +2653,27 @@
     </p:spTree>
     <p:extLst>
       <p:ext uri="{BB962C8B-B14F-4D97-AF65-F5344CB8AC3E}">
-        <p14:creationId xmlns:p14="http://schemas.microsoft.com/office/powerpoint/2010/main" val="3552794701"/>
+        <p14:creationId xmlns:p14="http://schemas.microsoft.com/office/powerpoint/2010/main" val="3195779133"/>
       </p:ext>
     </p:extLst>
   </p:cSld>
   <p:clrMap bg1="lt1" tx1="dk1" bg2="lt2" tx2="dk2" accent1="accent1" accent2="accent2" accent3="accent3" accent4="accent4" accent5="accent5" accent6="accent6" hlink="hlink" folHlink="folHlink"/>
   <p:sldLayoutIdLst>
-    <p:sldLayoutId id="2147483721" r:id="rId1"/>
-    <p:sldLayoutId id="2147483722" r:id="rId2"/>
-    <p:sldLayoutId id="2147483723" r:id="rId3"/>
-    <p:sldLayoutId id="2147483724" r:id="rId4"/>
-    <p:sldLayoutId id="2147483725" r:id="rId5"/>
-    <p:sldLayoutId id="2147483726" r:id="rId6"/>
-    <p:sldLayoutId id="2147483727" r:id="rId7"/>
-    <p:sldLayoutId id="2147483728" r:id="rId8"/>
-    <p:sldLayoutId id="2147483729" r:id="rId9"/>
-    <p:sldLayoutId id="2147483730" r:id="rId10"/>
-    <p:sldLayoutId id="2147483731" r:id="rId11"/>
+    <p:sldLayoutId id="2147483757" r:id="rId1"/>
+    <p:sldLayoutId id="2147483758" r:id="rId2"/>
+    <p:sldLayoutId id="2147483759" r:id="rId3"/>
+    <p:sldLayoutId id="2147483760" r:id="rId4"/>
+    <p:sldLayoutId id="2147483761" r:id="rId5"/>
+    <p:sldLayoutId id="2147483762" r:id="rId6"/>
+    <p:sldLayoutId id="2147483763" r:id="rId7"/>
+    <p:sldLayoutId id="2147483764" r:id="rId8"/>
+    <p:sldLayoutId id="2147483765" r:id="rId9"/>
+    <p:sldLayoutId id="2147483766" r:id="rId10"/>
+    <p:sldLayoutId id="2147483767" r:id="rId11"/>
   </p:sldLayoutIdLst>
   <p:txStyles>
     <p:titleStyle>
-      <a:lvl1pPr algn="l" defTabSz="1767810" rtl="0" eaLnBrk="1" latinLnBrk="0" hangingPunct="1">
+      <a:lvl1pPr algn="l" defTabSz="640080" rtl="0" eaLnBrk="1" latinLnBrk="0" hangingPunct="1">
         <a:lnSpc>
           <a:spcPct val="90000"/>
         </a:lnSpc>
@@ -2681,7 +2681,7 @@
           <a:spcPct val="0"/>
         </a:spcBef>
         <a:buNone/>
-        <a:defRPr sz="8507" kern="1200">
+        <a:defRPr sz="3080" kern="1200">
           <a:solidFill>
             <a:schemeClr val="tx1"/>
           </a:solidFill>
@@ -2692,16 +2692,16 @@
       </a:lvl1pPr>
     </p:titleStyle>
     <p:bodyStyle>
-      <a:lvl1pPr marL="441952" indent="-441952" algn="l" defTabSz="1767810" rtl="0" eaLnBrk="1" latinLnBrk="0" hangingPunct="1">
+      <a:lvl1pPr marL="160020" indent="-160020" algn="l" defTabSz="640080" rtl="0" eaLnBrk="1" latinLnBrk="0" hangingPunct="1">
         <a:lnSpc>
           <a:spcPct val="90000"/>
         </a:lnSpc>
         <a:spcBef>
-          <a:spcPts val="1933"/>
+          <a:spcPts val="700"/>
         </a:spcBef>
         <a:buFont typeface="Arial" panose="020B0604020202020204" pitchFamily="34" charset="0"/>
         <a:buChar char="•"/>
-        <a:defRPr sz="5413" kern="1200">
+        <a:defRPr sz="1960" kern="1200">
           <a:solidFill>
             <a:schemeClr val="tx1"/>
           </a:solidFill>
@@ -2710,16 +2710,16 @@
           <a:cs typeface="+mn-cs"/>
         </a:defRPr>
       </a:lvl1pPr>
-      <a:lvl2pPr marL="1325857" indent="-441952" algn="l" defTabSz="1767810" rtl="0" eaLnBrk="1" latinLnBrk="0" hangingPunct="1">
+      <a:lvl2pPr marL="480060" indent="-160020" algn="l" defTabSz="640080" rtl="0" eaLnBrk="1" latinLnBrk="0" hangingPunct="1">
         <a:lnSpc>
           <a:spcPct val="90000"/>
         </a:lnSpc>
         <a:spcBef>
-          <a:spcPts val="967"/>
+          <a:spcPts val="350"/>
         </a:spcBef>
         <a:buFont typeface="Arial" panose="020B0604020202020204" pitchFamily="34" charset="0"/>
         <a:buChar char="•"/>
-        <a:defRPr sz="4640" kern="1200">
+        <a:defRPr sz="1680" kern="1200">
           <a:solidFill>
             <a:schemeClr val="tx1"/>
           </a:solidFill>
@@ -2728,16 +2728,16 @@
           <a:cs typeface="+mn-cs"/>
         </a:defRPr>
       </a:lvl2pPr>
-      <a:lvl3pPr marL="2209762" indent="-441952" algn="l" defTabSz="1767810" rtl="0" eaLnBrk="1" latinLnBrk="0" hangingPunct="1">
+      <a:lvl3pPr marL="800100" indent="-160020" algn="l" defTabSz="640080" rtl="0" eaLnBrk="1" latinLnBrk="0" hangingPunct="1">
         <a:lnSpc>
           <a:spcPct val="90000"/>
         </a:lnSpc>
         <a:spcBef>
-          <a:spcPts val="967"/>
+          <a:spcPts val="350"/>
         </a:spcBef>
         <a:buFont typeface="Arial" panose="020B0604020202020204" pitchFamily="34" charset="0"/>
         <a:buChar char="•"/>
-        <a:defRPr sz="3867" kern="1200">
+        <a:defRPr sz="1400" kern="1200">
           <a:solidFill>
             <a:schemeClr val="tx1"/>
           </a:solidFill>
@@ -2746,16 +2746,16 @@
           <a:cs typeface="+mn-cs"/>
         </a:defRPr>
       </a:lvl3pPr>
-      <a:lvl4pPr marL="3093667" indent="-441952" algn="l" defTabSz="1767810" rtl="0" eaLnBrk="1" latinLnBrk="0" hangingPunct="1">
+      <a:lvl4pPr marL="1120140" indent="-160020" algn="l" defTabSz="640080" rtl="0" eaLnBrk="1" latinLnBrk="0" hangingPunct="1">
         <a:lnSpc>
           <a:spcPct val="90000"/>
         </a:lnSpc>
         <a:spcBef>
-          <a:spcPts val="967"/>
+          <a:spcPts val="350"/>
         </a:spcBef>
         <a:buFont typeface="Arial" panose="020B0604020202020204" pitchFamily="34" charset="0"/>
         <a:buChar char="•"/>
-        <a:defRPr sz="3480" kern="1200">
+        <a:defRPr sz="1260" kern="1200">
           <a:solidFill>
             <a:schemeClr val="tx1"/>
           </a:solidFill>
@@ -2764,16 +2764,16 @@
           <a:cs typeface="+mn-cs"/>
         </a:defRPr>
       </a:lvl4pPr>
-      <a:lvl5pPr marL="3977571" indent="-441952" algn="l" defTabSz="1767810" rtl="0" eaLnBrk="1" latinLnBrk="0" hangingPunct="1">
+      <a:lvl5pPr marL="1440180" indent="-160020" algn="l" defTabSz="640080" rtl="0" eaLnBrk="1" latinLnBrk="0" hangingPunct="1">
         <a:lnSpc>
           <a:spcPct val="90000"/>
         </a:lnSpc>
         <a:spcBef>
-          <a:spcPts val="967"/>
+          <a:spcPts val="350"/>
         </a:spcBef>
         <a:buFont typeface="Arial" panose="020B0604020202020204" pitchFamily="34" charset="0"/>
         <a:buChar char="•"/>
-        <a:defRPr sz="3480" kern="1200">
+        <a:defRPr sz="1260" kern="1200">
           <a:solidFill>
             <a:schemeClr val="tx1"/>
           </a:solidFill>
@@ -2782,16 +2782,16 @@
           <a:cs typeface="+mn-cs"/>
         </a:defRPr>
       </a:lvl5pPr>
-      <a:lvl6pPr marL="4861476" indent="-441952" algn="l" defTabSz="1767810" rtl="0" eaLnBrk="1" latinLnBrk="0" hangingPunct="1">
+      <a:lvl6pPr marL="1760220" indent="-160020" algn="l" defTabSz="640080" rtl="0" eaLnBrk="1" latinLnBrk="0" hangingPunct="1">
         <a:lnSpc>
           <a:spcPct val="90000"/>
         </a:lnSpc>
         <a:spcBef>
-          <a:spcPts val="967"/>
+          <a:spcPts val="350"/>
         </a:spcBef>
         <a:buFont typeface="Arial" panose="020B0604020202020204" pitchFamily="34" charset="0"/>
         <a:buChar char="•"/>
-        <a:defRPr sz="3480" kern="1200">
+        <a:defRPr sz="1260" kern="1200">
           <a:solidFill>
             <a:schemeClr val="tx1"/>
           </a:solidFill>
@@ -2800,16 +2800,16 @@
           <a:cs typeface="+mn-cs"/>
         </a:defRPr>
       </a:lvl6pPr>
-      <a:lvl7pPr marL="5745381" indent="-441952" algn="l" defTabSz="1767810" rtl="0" eaLnBrk="1" latinLnBrk="0" hangingPunct="1">
+      <a:lvl7pPr marL="2080260" indent="-160020" algn="l" defTabSz="640080" rtl="0" eaLnBrk="1" latinLnBrk="0" hangingPunct="1">
         <a:lnSpc>
           <a:spcPct val="90000"/>
         </a:lnSpc>
         <a:spcBef>
-          <a:spcPts val="967"/>
+          <a:spcPts val="350"/>
         </a:spcBef>
         <a:buFont typeface="Arial" panose="020B0604020202020204" pitchFamily="34" charset="0"/>
         <a:buChar char="•"/>
-        <a:defRPr sz="3480" kern="1200">
+        <a:defRPr sz="1260" kern="1200">
           <a:solidFill>
             <a:schemeClr val="tx1"/>
           </a:solidFill>
@@ -2818,16 +2818,16 @@
           <a:cs typeface="+mn-cs"/>
         </a:defRPr>
       </a:lvl7pPr>
-      <a:lvl8pPr marL="6629286" indent="-441952" algn="l" defTabSz="1767810" rtl="0" eaLnBrk="1" latinLnBrk="0" hangingPunct="1">
+      <a:lvl8pPr marL="2400300" indent="-160020" algn="l" defTabSz="640080" rtl="0" eaLnBrk="1" latinLnBrk="0" hangingPunct="1">
         <a:lnSpc>
           <a:spcPct val="90000"/>
         </a:lnSpc>
         <a:spcBef>
-          <a:spcPts val="967"/>
+          <a:spcPts val="350"/>
         </a:spcBef>
         <a:buFont typeface="Arial" panose="020B0604020202020204" pitchFamily="34" charset="0"/>
         <a:buChar char="•"/>
-        <a:defRPr sz="3480" kern="1200">
+        <a:defRPr sz="1260" kern="1200">
           <a:solidFill>
             <a:schemeClr val="tx1"/>
           </a:solidFill>
@@ -2836,16 +2836,16 @@
           <a:cs typeface="+mn-cs"/>
         </a:defRPr>
       </a:lvl8pPr>
-      <a:lvl9pPr marL="7513190" indent="-441952" algn="l" defTabSz="1767810" rtl="0" eaLnBrk="1" latinLnBrk="0" hangingPunct="1">
+      <a:lvl9pPr marL="2720340" indent="-160020" algn="l" defTabSz="640080" rtl="0" eaLnBrk="1" latinLnBrk="0" hangingPunct="1">
         <a:lnSpc>
           <a:spcPct val="90000"/>
         </a:lnSpc>
         <a:spcBef>
-          <a:spcPts val="967"/>
+          <a:spcPts val="350"/>
         </a:spcBef>
         <a:buFont typeface="Arial" panose="020B0604020202020204" pitchFamily="34" charset="0"/>
         <a:buChar char="•"/>
-        <a:defRPr sz="3480" kern="1200">
+        <a:defRPr sz="1260" kern="1200">
           <a:solidFill>
             <a:schemeClr val="tx1"/>
           </a:solidFill>
@@ -2859,8 +2859,8 @@
       <a:defPPr>
         <a:defRPr lang="en-US"/>
       </a:defPPr>
-      <a:lvl1pPr marL="0" algn="l" defTabSz="1767810" rtl="0" eaLnBrk="1" latinLnBrk="0" hangingPunct="1">
-        <a:defRPr sz="3480" kern="1200">
+      <a:lvl1pPr marL="0" algn="l" defTabSz="640080" rtl="0" eaLnBrk="1" latinLnBrk="0" hangingPunct="1">
+        <a:defRPr sz="1260" kern="1200">
           <a:solidFill>
             <a:schemeClr val="tx1"/>
           </a:solidFill>
@@ -2869,8 +2869,8 @@
           <a:cs typeface="+mn-cs"/>
         </a:defRPr>
       </a:lvl1pPr>
-      <a:lvl2pPr marL="883905" algn="l" defTabSz="1767810" rtl="0" eaLnBrk="1" latinLnBrk="0" hangingPunct="1">
-        <a:defRPr sz="3480" kern="1200">
+      <a:lvl2pPr marL="320040" algn="l" defTabSz="640080" rtl="0" eaLnBrk="1" latinLnBrk="0" hangingPunct="1">
+        <a:defRPr sz="1260" kern="1200">
           <a:solidFill>
             <a:schemeClr val="tx1"/>
           </a:solidFill>
@@ -2879,8 +2879,8 @@
           <a:cs typeface="+mn-cs"/>
         </a:defRPr>
       </a:lvl2pPr>
-      <a:lvl3pPr marL="1767810" algn="l" defTabSz="1767810" rtl="0" eaLnBrk="1" latinLnBrk="0" hangingPunct="1">
-        <a:defRPr sz="3480" kern="1200">
+      <a:lvl3pPr marL="640080" algn="l" defTabSz="640080" rtl="0" eaLnBrk="1" latinLnBrk="0" hangingPunct="1">
+        <a:defRPr sz="1260" kern="1200">
           <a:solidFill>
             <a:schemeClr val="tx1"/>
           </a:solidFill>
@@ -2889,8 +2889,8 @@
           <a:cs typeface="+mn-cs"/>
         </a:defRPr>
       </a:lvl3pPr>
-      <a:lvl4pPr marL="2651714" algn="l" defTabSz="1767810" rtl="0" eaLnBrk="1" latinLnBrk="0" hangingPunct="1">
-        <a:defRPr sz="3480" kern="1200">
+      <a:lvl4pPr marL="960120" algn="l" defTabSz="640080" rtl="0" eaLnBrk="1" latinLnBrk="0" hangingPunct="1">
+        <a:defRPr sz="1260" kern="1200">
           <a:solidFill>
             <a:schemeClr val="tx1"/>
           </a:solidFill>
@@ -2899,8 +2899,8 @@
           <a:cs typeface="+mn-cs"/>
         </a:defRPr>
       </a:lvl4pPr>
-      <a:lvl5pPr marL="3535619" algn="l" defTabSz="1767810" rtl="0" eaLnBrk="1" latinLnBrk="0" hangingPunct="1">
-        <a:defRPr sz="3480" kern="1200">
+      <a:lvl5pPr marL="1280160" algn="l" defTabSz="640080" rtl="0" eaLnBrk="1" latinLnBrk="0" hangingPunct="1">
+        <a:defRPr sz="1260" kern="1200">
           <a:solidFill>
             <a:schemeClr val="tx1"/>
           </a:solidFill>
@@ -2909,8 +2909,8 @@
           <a:cs typeface="+mn-cs"/>
         </a:defRPr>
       </a:lvl5pPr>
-      <a:lvl6pPr marL="4419524" algn="l" defTabSz="1767810" rtl="0" eaLnBrk="1" latinLnBrk="0" hangingPunct="1">
-        <a:defRPr sz="3480" kern="1200">
+      <a:lvl6pPr marL="1600200" algn="l" defTabSz="640080" rtl="0" eaLnBrk="1" latinLnBrk="0" hangingPunct="1">
+        <a:defRPr sz="1260" kern="1200">
           <a:solidFill>
             <a:schemeClr val="tx1"/>
           </a:solidFill>
@@ -2919,8 +2919,8 @@
           <a:cs typeface="+mn-cs"/>
         </a:defRPr>
       </a:lvl6pPr>
-      <a:lvl7pPr marL="5303429" algn="l" defTabSz="1767810" rtl="0" eaLnBrk="1" latinLnBrk="0" hangingPunct="1">
-        <a:defRPr sz="3480" kern="1200">
+      <a:lvl7pPr marL="1920240" algn="l" defTabSz="640080" rtl="0" eaLnBrk="1" latinLnBrk="0" hangingPunct="1">
+        <a:defRPr sz="1260" kern="1200">
           <a:solidFill>
             <a:schemeClr val="tx1"/>
           </a:solidFill>
@@ -2929,8 +2929,8 @@
           <a:cs typeface="+mn-cs"/>
         </a:defRPr>
       </a:lvl7pPr>
-      <a:lvl8pPr marL="6187333" algn="l" defTabSz="1767810" rtl="0" eaLnBrk="1" latinLnBrk="0" hangingPunct="1">
-        <a:defRPr sz="3480" kern="1200">
+      <a:lvl8pPr marL="2240280" algn="l" defTabSz="640080" rtl="0" eaLnBrk="1" latinLnBrk="0" hangingPunct="1">
+        <a:defRPr sz="1260" kern="1200">
           <a:solidFill>
             <a:schemeClr val="tx1"/>
           </a:solidFill>
@@ -2939,8 +2939,8 @@
           <a:cs typeface="+mn-cs"/>
         </a:defRPr>
       </a:lvl8pPr>
-      <a:lvl9pPr marL="7071238" algn="l" defTabSz="1767810" rtl="0" eaLnBrk="1" latinLnBrk="0" hangingPunct="1">
-        <a:defRPr sz="3480" kern="1200">
+      <a:lvl9pPr marL="2560320" algn="l" defTabSz="640080" rtl="0" eaLnBrk="1" latinLnBrk="0" hangingPunct="1">
+        <a:defRPr sz="1260" kern="1200">
           <a:solidFill>
             <a:schemeClr val="tx1"/>
           </a:solidFill>
@@ -2985,8 +2985,8 @@
         </p:nvSpPr>
         <p:spPr>
           <a:xfrm>
-            <a:off x="9485768" y="8353818"/>
-            <a:ext cx="620683" cy="1072730"/>
+            <a:off x="3358355" y="2793187"/>
+            <a:ext cx="380998" cy="276999"/>
           </a:xfrm>
           <a:prstGeom prst="rect">
             <a:avLst/>
@@ -2994,94 +2994,24 @@
           <a:noFill/>
         </p:spPr>
         <p:txBody>
-          <a:bodyPr wrap="none" rtlCol="0">
+          <a:bodyPr wrap="square" rtlCol="0">
             <a:spAutoFit/>
           </a:bodyPr>
           <a:lstStyle/>
           <a:p>
             <a:r>
-              <a:rPr lang="en-US" sz="6371" dirty="0"/>
-              <a:t>C</a:t>
-            </a:r>
-          </a:p>
-        </p:txBody>
-      </p:sp>
-      <p:sp>
-        <p:nvSpPr>
-          <p:cNvPr id="11" name="TextBox 10">
+              <a:rPr lang="en-US" sz="1200" b="1" dirty="0"/>
+              <a:t>C)</a:t>
+            </a:r>
+          </a:p>
+        </p:txBody>
+      </p:sp>
+      <p:pic>
+        <p:nvPicPr>
+          <p:cNvPr id="19" name="Picture 18">
             <a:extLst>
               <a:ext uri="{FF2B5EF4-FFF2-40B4-BE49-F238E27FC236}">
-                <a16:creationId xmlns:a16="http://schemas.microsoft.com/office/drawing/2014/main" id="{EEADF712-6DBC-4E7F-B196-171133694B50}"/>
-              </a:ext>
-            </a:extLst>
-          </p:cNvPr>
-          <p:cNvSpPr txBox="1"/>
-          <p:nvPr/>
-        </p:nvSpPr>
-        <p:spPr>
-          <a:xfrm>
-            <a:off x="574799" y="8001270"/>
-            <a:ext cx="628698" cy="1072730"/>
-          </a:xfrm>
-          <a:prstGeom prst="rect">
-            <a:avLst/>
-          </a:prstGeom>
-          <a:noFill/>
-        </p:spPr>
-        <p:txBody>
-          <a:bodyPr wrap="none" rtlCol="0">
-            <a:spAutoFit/>
-          </a:bodyPr>
-          <a:lstStyle/>
-          <a:p>
-            <a:r>
-              <a:rPr lang="en-US" sz="6371" dirty="0"/>
-              <a:t>B</a:t>
-            </a:r>
-          </a:p>
-        </p:txBody>
-      </p:sp>
-      <p:sp>
-        <p:nvSpPr>
-          <p:cNvPr id="12" name="TextBox 11">
-            <a:extLst>
-              <a:ext uri="{FF2B5EF4-FFF2-40B4-BE49-F238E27FC236}">
-                <a16:creationId xmlns:a16="http://schemas.microsoft.com/office/drawing/2014/main" id="{F7D503DC-9343-4F32-8410-E0B92DEDAB21}"/>
-              </a:ext>
-            </a:extLst>
-          </p:cNvPr>
-          <p:cNvSpPr txBox="1"/>
-          <p:nvPr/>
-        </p:nvSpPr>
-        <p:spPr>
-          <a:xfrm>
-            <a:off x="602312" y="1569608"/>
-            <a:ext cx="657552" cy="1072730"/>
-          </a:xfrm>
-          <a:prstGeom prst="rect">
-            <a:avLst/>
-          </a:prstGeom>
-          <a:noFill/>
-        </p:spPr>
-        <p:txBody>
-          <a:bodyPr wrap="none" rtlCol="0">
-            <a:spAutoFit/>
-          </a:bodyPr>
-          <a:lstStyle/>
-          <a:p>
-            <a:r>
-              <a:rPr lang="en-US" sz="6371" dirty="0"/>
-              <a:t>A</a:t>
-            </a:r>
-          </a:p>
-        </p:txBody>
-      </p:sp>
-      <p:pic>
-        <p:nvPicPr>
-          <p:cNvPr id="3" name="Picture 2">
-            <a:extLst>
-              <a:ext uri="{FF2B5EF4-FFF2-40B4-BE49-F238E27FC236}">
-                <a16:creationId xmlns:a16="http://schemas.microsoft.com/office/drawing/2014/main" id="{EE47B8F4-37E6-0B0E-F02C-8DABE3440D76}"/>
+                <a16:creationId xmlns:a16="http://schemas.microsoft.com/office/drawing/2014/main" id="{293E7070-2549-DE1E-DFEB-17EFE789901D}"/>
               </a:ext>
             </a:extLst>
           </p:cNvPr>
@@ -3090,15 +3020,16 @@
           </p:cNvPicPr>
           <p:nvPr/>
         </p:nvPicPr>
-        <p:blipFill rotWithShape="1">
+        <p:blipFill>
           <a:blip r:embed="rId2"/>
-          <a:srcRect l="5770" t="2653" r="5145" b="3984"/>
-          <a:stretch/>
+          <a:stretch>
+            <a:fillRect/>
+          </a:stretch>
         </p:blipFill>
         <p:spPr>
           <a:xfrm>
-            <a:off x="1778139" y="290829"/>
-            <a:ext cx="13943262" cy="7329170"/>
+            <a:off x="881686" y="4978572"/>
+            <a:ext cx="4637428" cy="2331080"/>
           </a:xfrm>
           <a:prstGeom prst="rect">
             <a:avLst/>
@@ -3107,10 +3038,10 @@
       </p:pic>
       <p:pic>
         <p:nvPicPr>
-          <p:cNvPr id="6" name="Picture 5">
+          <p:cNvPr id="21" name="Picture 20">
             <a:extLst>
               <a:ext uri="{FF2B5EF4-FFF2-40B4-BE49-F238E27FC236}">
-                <a16:creationId xmlns:a16="http://schemas.microsoft.com/office/drawing/2014/main" id="{BB8A004A-2045-9CA4-F024-891AFB9CC49C}"/>
+                <a16:creationId xmlns:a16="http://schemas.microsoft.com/office/drawing/2014/main" id="{8826775F-8763-E603-1108-981BA72383AB}"/>
               </a:ext>
             </a:extLst>
           </p:cNvPr>
@@ -3127,8 +3058,8 @@
         </p:blipFill>
         <p:spPr>
           <a:xfrm>
-            <a:off x="1727352" y="8353819"/>
-            <a:ext cx="5844601" cy="4383451"/>
+            <a:off x="3548855" y="2701177"/>
+            <a:ext cx="2944629" cy="2208472"/>
           </a:xfrm>
           <a:prstGeom prst="rect">
             <a:avLst/>
@@ -3137,10 +3068,10 @@
       </p:pic>
       <p:pic>
         <p:nvPicPr>
-          <p:cNvPr id="13" name="Picture 12">
+          <p:cNvPr id="23" name="Picture 22">
             <a:extLst>
               <a:ext uri="{FF2B5EF4-FFF2-40B4-BE49-F238E27FC236}">
-                <a16:creationId xmlns:a16="http://schemas.microsoft.com/office/drawing/2014/main" id="{610BCAEE-E04F-7D5D-70B7-D3B88FFECFF9}"/>
+                <a16:creationId xmlns:a16="http://schemas.microsoft.com/office/drawing/2014/main" id="{5422054B-EDA6-1BE2-793A-8C9FACCE7406}"/>
               </a:ext>
             </a:extLst>
           </p:cNvPr>
@@ -3157,8 +3088,143 @@
         </p:blipFill>
         <p:spPr>
           <a:xfrm>
-            <a:off x="10630303" y="8406738"/>
-            <a:ext cx="5844601" cy="4383451"/>
+            <a:off x="446719" y="2701177"/>
+            <a:ext cx="2944629" cy="2208472"/>
+          </a:xfrm>
+          <a:prstGeom prst="rect">
+            <a:avLst/>
+          </a:prstGeom>
+        </p:spPr>
+      </p:pic>
+      <p:sp>
+        <p:nvSpPr>
+          <p:cNvPr id="24" name="TextBox 23">
+            <a:extLst>
+              <a:ext uri="{FF2B5EF4-FFF2-40B4-BE49-F238E27FC236}">
+                <a16:creationId xmlns:a16="http://schemas.microsoft.com/office/drawing/2014/main" id="{B4801E93-9D1D-C818-FCB8-97E53089BFF5}"/>
+              </a:ext>
+            </a:extLst>
+          </p:cNvPr>
+          <p:cNvSpPr txBox="1"/>
+          <p:nvPr/>
+        </p:nvSpPr>
+        <p:spPr>
+          <a:xfrm>
+            <a:off x="108340" y="2793187"/>
+            <a:ext cx="361742" cy="276999"/>
+          </a:xfrm>
+          <a:prstGeom prst="rect">
+            <a:avLst/>
+          </a:prstGeom>
+          <a:noFill/>
+        </p:spPr>
+        <p:txBody>
+          <a:bodyPr wrap="square" rtlCol="0">
+            <a:spAutoFit/>
+          </a:bodyPr>
+          <a:lstStyle/>
+          <a:p>
+            <a:r>
+              <a:rPr lang="en-US" sz="1200" b="1" dirty="0"/>
+              <a:t>B)</a:t>
+            </a:r>
+          </a:p>
+        </p:txBody>
+      </p:sp>
+      <p:sp>
+        <p:nvSpPr>
+          <p:cNvPr id="25" name="TextBox 24">
+            <a:extLst>
+              <a:ext uri="{FF2B5EF4-FFF2-40B4-BE49-F238E27FC236}">
+                <a16:creationId xmlns:a16="http://schemas.microsoft.com/office/drawing/2014/main" id="{4521DB06-5360-3F89-C9ED-E6C92F70FF17}"/>
+              </a:ext>
+            </a:extLst>
+          </p:cNvPr>
+          <p:cNvSpPr txBox="1"/>
+          <p:nvPr/>
+        </p:nvSpPr>
+        <p:spPr>
+          <a:xfrm>
+            <a:off x="348543" y="79602"/>
+            <a:ext cx="334512" cy="276999"/>
+          </a:xfrm>
+          <a:prstGeom prst="rect">
+            <a:avLst/>
+          </a:prstGeom>
+          <a:noFill/>
+        </p:spPr>
+        <p:txBody>
+          <a:bodyPr wrap="square" rtlCol="0">
+            <a:spAutoFit/>
+          </a:bodyPr>
+          <a:lstStyle/>
+          <a:p>
+            <a:r>
+              <a:rPr lang="en-US" sz="1200" b="1" dirty="0"/>
+              <a:t>A)</a:t>
+            </a:r>
+          </a:p>
+        </p:txBody>
+      </p:sp>
+      <p:sp>
+        <p:nvSpPr>
+          <p:cNvPr id="26" name="TextBox 25">
+            <a:extLst>
+              <a:ext uri="{FF2B5EF4-FFF2-40B4-BE49-F238E27FC236}">
+                <a16:creationId xmlns:a16="http://schemas.microsoft.com/office/drawing/2014/main" id="{9AA5A407-8C19-4A5A-C4BF-128E32BEACE1}"/>
+              </a:ext>
+            </a:extLst>
+          </p:cNvPr>
+          <p:cNvSpPr txBox="1"/>
+          <p:nvPr/>
+        </p:nvSpPr>
+        <p:spPr>
+          <a:xfrm>
+            <a:off x="348543" y="5153718"/>
+            <a:ext cx="402088" cy="276999"/>
+          </a:xfrm>
+          <a:prstGeom prst="rect">
+            <a:avLst/>
+          </a:prstGeom>
+          <a:noFill/>
+        </p:spPr>
+        <p:txBody>
+          <a:bodyPr wrap="square" rtlCol="0">
+            <a:spAutoFit/>
+          </a:bodyPr>
+          <a:lstStyle/>
+          <a:p>
+            <a:r>
+              <a:rPr lang="en-US" sz="1200" b="1" dirty="0"/>
+              <a:t>D)</a:t>
+            </a:r>
+          </a:p>
+        </p:txBody>
+      </p:sp>
+      <p:pic>
+        <p:nvPicPr>
+          <p:cNvPr id="28" name="Picture 27">
+            <a:extLst>
+              <a:ext uri="{FF2B5EF4-FFF2-40B4-BE49-F238E27FC236}">
+                <a16:creationId xmlns:a16="http://schemas.microsoft.com/office/drawing/2014/main" id="{777B23C7-487A-C946-4E06-188895AFA782}"/>
+              </a:ext>
+            </a:extLst>
+          </p:cNvPr>
+          <p:cNvPicPr>
+            <a:picLocks noChangeAspect="1"/>
+          </p:cNvPicPr>
+          <p:nvPr/>
+        </p:nvPicPr>
+        <p:blipFill>
+          <a:blip r:embed="rId5"/>
+          <a:stretch>
+            <a:fillRect/>
+          </a:stretch>
+        </p:blipFill>
+        <p:spPr>
+          <a:xfrm>
+            <a:off x="934352" y="10836"/>
+            <a:ext cx="4532096" cy="2600383"/>
           </a:xfrm>
           <a:prstGeom prst="rect">
             <a:avLst/>
@@ -3433,7 +3499,7 @@
   <a:extraClrSchemeLst/>
   <a:extLst>
     <a:ext uri="{05A4C25C-085E-4340-85A3-A5531E510DB2}">
-      <thm15:themeFamily xmlns:thm15="http://schemas.microsoft.com/office/thememl/2012/main" name="Office Theme" id="{62F939B6-93AF-4DB8-9C6B-D6C7DFDC589F}" vid="{4A3C46E8-61CC-4603-A589-7422A47A8E4A}"/>
+      <thm15:themeFamily xmlns:thm15="http://schemas.microsoft.com/office/thememl/2012/main" name="Office 2013 - 2022 Theme" id="{62F939B6-93AF-4DB8-9C6B-D6C7DFDC589F}" vid="{4A3C46E8-61CC-4603-A589-7422A47A8E4A}"/>
     </a:ext>
   </a:extLst>
 </a:theme>
